--- a/lectures/week11/lecture1/slides/week11_lecture1.pptx
+++ b/lectures/week11/lecture1/slides/week11_lecture1.pptx
@@ -226,7 +226,7 @@
           <a:p>
             <a:fld id="{125D7D83-D401-9A49-861D-A02E2788C764}" type="datetimeFigureOut">
               <a:rPr lang="en-US" smtClean="0"/>
-              <a:t>3/25/25</a:t>
+              <a:t>12/18/2025</a:t>
             </a:fld>
             <a:endParaRPr lang="en-US"/>
           </a:p>
@@ -2239,7 +2239,7 @@
                   <a:schemeClr val="accent6"/>
                 </a:solidFill>
               </a:rPr>
-              <a:t>2 </a:t>
+              <a:t>1 </a:t>
             </a:r>
             <a:r>
               <a:rPr lang="en-US" dirty="0">
@@ -2267,7 +2267,7 @@
                   <a:schemeClr val="accent6"/>
                 </a:solidFill>
               </a:rPr>
-              <a:t>2</a:t>
+              <a:t>1</a:t>
             </a:r>
             <a:r>
               <a:rPr lang="en-US" dirty="0">
@@ -10872,7 +10872,7 @@
                   <a:schemeClr val="accent6"/>
                 </a:solidFill>
               </a:rPr>
-              <a:t>2 </a:t>
+              <a:t>1 </a:t>
             </a:r>
             <a:r>
               <a:rPr lang="en-US" dirty="0">
@@ -10900,7 +10900,7 @@
                   <a:schemeClr val="accent6"/>
                 </a:solidFill>
               </a:rPr>
-              <a:t>2</a:t>
+              <a:t>1</a:t>
             </a:r>
             <a:r>
               <a:rPr lang="en-US" dirty="0">
